--- a/presentation/Getting the data.pptx
+++ b/presentation/Getting the data.pptx
@@ -5,7 +5,7 @@
     <p:sldMasterId id="2147483725" r:id="rId1"/>
   </p:sldMasterIdLst>
   <p:notesMasterIdLst>
-    <p:notesMasterId r:id="rId15"/>
+    <p:notesMasterId r:id="rId16"/>
   </p:notesMasterIdLst>
   <p:sldIdLst>
     <p:sldId id="256" r:id="rId2"/>
@@ -15,12 +15,13 @@
     <p:sldId id="260" r:id="rId6"/>
     <p:sldId id="267" r:id="rId7"/>
     <p:sldId id="268" r:id="rId8"/>
-    <p:sldId id="261" r:id="rId9"/>
-    <p:sldId id="262" r:id="rId10"/>
-    <p:sldId id="263" r:id="rId11"/>
-    <p:sldId id="264" r:id="rId12"/>
-    <p:sldId id="265" r:id="rId13"/>
-    <p:sldId id="266" r:id="rId14"/>
+    <p:sldId id="269" r:id="rId9"/>
+    <p:sldId id="261" r:id="rId10"/>
+    <p:sldId id="262" r:id="rId11"/>
+    <p:sldId id="263" r:id="rId12"/>
+    <p:sldId id="264" r:id="rId13"/>
+    <p:sldId id="265" r:id="rId14"/>
+    <p:sldId id="266" r:id="rId15"/>
   </p:sldIdLst>
   <p:sldSz cx="12192000" cy="6858000"/>
   <p:notesSz cx="6858000" cy="9144000"/>
@@ -647,7 +648,7 @@
             </a:pPr>
             <a:r>
               <a:rPr lang="en-US" dirty="0"/>
-              <a:t>Planned duration for this slide: 0:30.</a:t>
+              <a:t>Planned duration for this item: 2:00.</a:t>
             </a:r>
           </a:p>
         </p:txBody>
@@ -678,7 +679,7 @@
     </p:spTree>
     <p:extLst>
       <p:ext uri="{BB962C8B-B14F-4D97-AF65-F5344CB8AC3E}">
-        <p14:creationId xmlns:p14="http://schemas.microsoft.com/office/powerpoint/2010/main" val="243972615"/>
+        <p14:creationId xmlns:p14="http://schemas.microsoft.com/office/powerpoint/2010/main" val="1409910602"/>
       </p:ext>
     </p:extLst>
   </p:cSld>
@@ -751,7 +752,7 @@
             </a:pPr>
             <a:r>
               <a:rPr lang="en-US" dirty="0"/>
-              <a:t>Planned duration for this slide: 0:15.</a:t>
+              <a:t>Planned duration for this slide: 0:30.</a:t>
             </a:r>
           </a:p>
         </p:txBody>
@@ -782,7 +783,7 @@
     </p:spTree>
     <p:extLst>
       <p:ext uri="{BB962C8B-B14F-4D97-AF65-F5344CB8AC3E}">
-        <p14:creationId xmlns:p14="http://schemas.microsoft.com/office/powerpoint/2010/main" val="2068167583"/>
+        <p14:creationId xmlns:p14="http://schemas.microsoft.com/office/powerpoint/2010/main" val="243972615"/>
       </p:ext>
     </p:extLst>
   </p:cSld>
@@ -855,7 +856,7 @@
             </a:pPr>
             <a:r>
               <a:rPr lang="en-US" dirty="0"/>
-              <a:t>Planned duration for this slide: 0:00.</a:t>
+              <a:t>Planned duration for this slide: 0:15.</a:t>
             </a:r>
           </a:p>
         </p:txBody>
@@ -878,6 +879,110 @@
             <a:fld id="{61275796-9351-FE43-A381-93AD2263741D}" type="slidenum">
               <a:rPr lang="en-US" smtClean="0"/>
               <a:t>13</a:t>
+            </a:fld>
+            <a:endParaRPr lang="en-US"/>
+          </a:p>
+        </p:txBody>
+      </p:sp>
+    </p:spTree>
+    <p:extLst>
+      <p:ext uri="{BB962C8B-B14F-4D97-AF65-F5344CB8AC3E}">
+        <p14:creationId xmlns:p14="http://schemas.microsoft.com/office/powerpoint/2010/main" val="2068167583"/>
+      </p:ext>
+    </p:extLst>
+  </p:cSld>
+  <p:clrMapOvr>
+    <a:masterClrMapping/>
+  </p:clrMapOvr>
+</p:notes>
+</file>
+
+<file path=ppt/notesSlides/notesSlide13.xml><?xml version="1.0" encoding="utf-8"?>
+<p:notes xmlns:a="http://schemas.openxmlformats.org/drawingml/2006/main" xmlns:r="http://schemas.openxmlformats.org/officeDocument/2006/relationships" xmlns:p="http://schemas.openxmlformats.org/presentationml/2006/main">
+  <p:cSld>
+    <p:spTree>
+      <p:nvGrpSpPr>
+        <p:cNvPr id="1" name=""/>
+        <p:cNvGrpSpPr/>
+        <p:nvPr/>
+      </p:nvGrpSpPr>
+      <p:grpSpPr>
+        <a:xfrm>
+          <a:off x="0" y="0"/>
+          <a:ext cx="0" cy="0"/>
+          <a:chOff x="0" y="0"/>
+          <a:chExt cx="0" cy="0"/>
+        </a:xfrm>
+      </p:grpSpPr>
+      <p:sp>
+        <p:nvSpPr>
+          <p:cNvPr id="2" name="Slide Image Placeholder 1"/>
+          <p:cNvSpPr>
+            <a:spLocks noGrp="1" noRot="1" noChangeAspect="1"/>
+          </p:cNvSpPr>
+          <p:nvPr>
+            <p:ph type="sldImg"/>
+          </p:nvPr>
+        </p:nvSpPr>
+        <p:spPr/>
+      </p:sp>
+      <p:sp>
+        <p:nvSpPr>
+          <p:cNvPr id="3" name="Notes Placeholder 2"/>
+          <p:cNvSpPr>
+            <a:spLocks noGrp="1"/>
+          </p:cNvSpPr>
+          <p:nvPr>
+            <p:ph type="body" idx="1"/>
+          </p:nvPr>
+        </p:nvSpPr>
+        <p:spPr/>
+        <p:txBody>
+          <a:bodyPr/>
+          <a:lstStyle/>
+          <a:p>
+            <a:pPr marL="0" marR="0" lvl="0" indent="0" algn="l" defTabSz="914400" rtl="0" eaLnBrk="1" fontAlgn="auto" latinLnBrk="0" hangingPunct="1">
+              <a:lnSpc>
+                <a:spcPct val="100000"/>
+              </a:lnSpc>
+              <a:spcBef>
+                <a:spcPts val="0"/>
+              </a:spcBef>
+              <a:spcAft>
+                <a:spcPts val="0"/>
+              </a:spcAft>
+              <a:buClrTx/>
+              <a:buSzTx/>
+              <a:buFontTx/>
+              <a:buNone/>
+              <a:tabLst/>
+              <a:defRPr/>
+            </a:pPr>
+            <a:r>
+              <a:rPr lang="en-US" dirty="0"/>
+              <a:t>Planned duration for this slide: 0:00.</a:t>
+            </a:r>
+          </a:p>
+        </p:txBody>
+      </p:sp>
+      <p:sp>
+        <p:nvSpPr>
+          <p:cNvPr id="4" name="Slide Number Placeholder 3"/>
+          <p:cNvSpPr>
+            <a:spLocks noGrp="1"/>
+          </p:cNvSpPr>
+          <p:nvPr>
+            <p:ph type="sldNum" sz="quarter" idx="5"/>
+          </p:nvPr>
+        </p:nvSpPr>
+        <p:spPr/>
+        <p:txBody>
+          <a:bodyPr/>
+          <a:lstStyle/>
+          <a:p>
+            <a:fld id="{61275796-9351-FE43-A381-93AD2263741D}" type="slidenum">
+              <a:rPr lang="en-US" smtClean="0"/>
+              <a:t>14</a:t>
             </a:fld>
             <a:endParaRPr lang="en-US"/>
           </a:p>
@@ -1445,27 +1550,7 @@
           <a:bodyPr/>
           <a:lstStyle/>
           <a:p>
-            <a:pPr marL="0" marR="0" lvl="0" indent="0" algn="l" defTabSz="914400" rtl="0" eaLnBrk="1" fontAlgn="auto" latinLnBrk="0" hangingPunct="1">
-              <a:lnSpc>
-                <a:spcPct val="100000"/>
-              </a:lnSpc>
-              <a:spcBef>
-                <a:spcPts val="0"/>
-              </a:spcBef>
-              <a:spcAft>
-                <a:spcPts val="0"/>
-              </a:spcAft>
-              <a:buClrTx/>
-              <a:buSzTx/>
-              <a:buFontTx/>
-              <a:buNone/>
-              <a:tabLst/>
-              <a:defRPr/>
-            </a:pPr>
-            <a:r>
-              <a:rPr lang="en-US" dirty="0"/>
-              <a:t>Planned duration for this slide: 0:30.</a:t>
-            </a:r>
+            <a:endParaRPr lang="en-AU" dirty="0"/>
           </a:p>
         </p:txBody>
       </p:sp>
@@ -1495,7 +1580,7 @@
     </p:spTree>
     <p:extLst>
       <p:ext uri="{BB962C8B-B14F-4D97-AF65-F5344CB8AC3E}">
-        <p14:creationId xmlns:p14="http://schemas.microsoft.com/office/powerpoint/2010/main" val="1161691075"/>
+        <p14:creationId xmlns:p14="http://schemas.microsoft.com/office/powerpoint/2010/main" val="823337805"/>
       </p:ext>
     </p:extLst>
   </p:cSld>
@@ -1568,7 +1653,7 @@
             </a:pPr>
             <a:r>
               <a:rPr lang="en-US" dirty="0"/>
-              <a:t>Planned duration for this slide: 1:00.</a:t>
+              <a:t>Planned duration for this slide: 0:30.</a:t>
             </a:r>
           </a:p>
         </p:txBody>
@@ -1599,7 +1684,7 @@
     </p:spTree>
     <p:extLst>
       <p:ext uri="{BB962C8B-B14F-4D97-AF65-F5344CB8AC3E}">
-        <p14:creationId xmlns:p14="http://schemas.microsoft.com/office/powerpoint/2010/main" val="1315779538"/>
+        <p14:creationId xmlns:p14="http://schemas.microsoft.com/office/powerpoint/2010/main" val="1161691075"/>
       </p:ext>
     </p:extLst>
   </p:cSld>
@@ -1672,7 +1757,7 @@
             </a:pPr>
             <a:r>
               <a:rPr lang="en-US" dirty="0"/>
-              <a:t>Planned duration for this item: 2:00.</a:t>
+              <a:t>Planned duration for this slide: 1:00.</a:t>
             </a:r>
           </a:p>
         </p:txBody>
@@ -1703,7 +1788,7 @@
     </p:spTree>
     <p:extLst>
       <p:ext uri="{BB962C8B-B14F-4D97-AF65-F5344CB8AC3E}">
-        <p14:creationId xmlns:p14="http://schemas.microsoft.com/office/powerpoint/2010/main" val="1409910602"/>
+        <p14:creationId xmlns:p14="http://schemas.microsoft.com/office/powerpoint/2010/main" val="1315779538"/>
       </p:ext>
     </p:extLst>
   </p:cSld>
@@ -7595,7 +7680,7 @@
           <a:p>
             <a:r>
               <a:rPr lang="en-US" dirty="0"/>
-              <a:t>[ live demo / storytelling with data ]</a:t>
+              <a:t>Making the data confess</a:t>
             </a:r>
           </a:p>
         </p:txBody>
@@ -7742,7 +7827,7 @@
     </p:spTree>
     <p:extLst>
       <p:ext uri="{BB962C8B-B14F-4D97-AF65-F5344CB8AC3E}">
-        <p14:creationId xmlns:p14="http://schemas.microsoft.com/office/powerpoint/2010/main" val="834822780"/>
+        <p14:creationId xmlns:p14="http://schemas.microsoft.com/office/powerpoint/2010/main" val="2238465027"/>
       </p:ext>
     </p:extLst>
   </p:cSld>
@@ -8205,7 +8290,7 @@
           <a:p>
             <a:r>
               <a:rPr lang="en-US" dirty="0"/>
-              <a:t>Conclusion</a:t>
+              <a:t>[ live demo / storytelling with data ]</a:t>
             </a:r>
           </a:p>
         </p:txBody>
@@ -8352,7 +8437,7 @@
     </p:spTree>
     <p:extLst>
       <p:ext uri="{BB962C8B-B14F-4D97-AF65-F5344CB8AC3E}">
-        <p14:creationId xmlns:p14="http://schemas.microsoft.com/office/powerpoint/2010/main" val="2913327060"/>
+        <p14:creationId xmlns:p14="http://schemas.microsoft.com/office/powerpoint/2010/main" val="834822780"/>
       </p:ext>
     </p:extLst>
   </p:cSld>
@@ -8815,7 +8900,7 @@
           <a:p>
             <a:r>
               <a:rPr lang="en-US" dirty="0"/>
-              <a:t>Thank you / any questions</a:t>
+              <a:t>Conclusion</a:t>
             </a:r>
           </a:p>
         </p:txBody>
@@ -8962,7 +9047,7 @@
     </p:spTree>
     <p:extLst>
       <p:ext uri="{BB962C8B-B14F-4D97-AF65-F5344CB8AC3E}">
-        <p14:creationId xmlns:p14="http://schemas.microsoft.com/office/powerpoint/2010/main" val="693673410"/>
+        <p14:creationId xmlns:p14="http://schemas.microsoft.com/office/powerpoint/2010/main" val="2913327060"/>
       </p:ext>
     </p:extLst>
   </p:cSld>
@@ -9425,7 +9510,7 @@
           <a:p>
             <a:r>
               <a:rPr lang="en-US" dirty="0"/>
-              <a:t>?References</a:t>
+              <a:t>Thank you / any questions</a:t>
             </a:r>
           </a:p>
         </p:txBody>
@@ -9552,30 +9637,27 @@
           <a:p>
             <a:r>
               <a:rPr lang="en-US" sz="2200" dirty="0"/>
-              <a:t>Maybe we should have this… maybe not.</a:t>
+              <a:t>1</a:t>
             </a:r>
           </a:p>
           <a:p>
             <a:r>
               <a:rPr lang="en-US" sz="2200" dirty="0"/>
-              <a:t>Would be along lines of what’s requested in project specification document: “An appendix listing the names and sources of the data sets as well as code libraries, or tools you used in your project”</a:t>
+              <a:t>2</a:t>
             </a:r>
           </a:p>
           <a:p>
             <a:r>
               <a:rPr lang="en-US" sz="2200" dirty="0"/>
-              <a:t>Could be too much to fit on a slide.</a:t>
+              <a:t>3</a:t>
             </a:r>
-          </a:p>
-          <a:p>
-            <a:endParaRPr lang="en-US" sz="2200" dirty="0"/>
           </a:p>
         </p:txBody>
       </p:sp>
     </p:spTree>
     <p:extLst>
       <p:ext uri="{BB962C8B-B14F-4D97-AF65-F5344CB8AC3E}">
-        <p14:creationId xmlns:p14="http://schemas.microsoft.com/office/powerpoint/2010/main" val="1654414743"/>
+        <p14:creationId xmlns:p14="http://schemas.microsoft.com/office/powerpoint/2010/main" val="693673410"/>
       </p:ext>
     </p:extLst>
   </p:cSld>
@@ -9585,7 +9667,7 @@
 </p:sld>
 </file>
 
-<file path=ppt/slides/slide2.xml><?xml version="1.0" encoding="utf-8"?>
+<file path=ppt/slides/slide14.xml><?xml version="1.0" encoding="utf-8"?>
 <p:sld xmlns:a="http://schemas.openxmlformats.org/drawingml/2006/main" xmlns:r="http://schemas.openxmlformats.org/officeDocument/2006/relationships" xmlns:p="http://schemas.openxmlformats.org/presentationml/2006/main">
   <p:cSld>
     <p:bg>
@@ -10038,7 +10120,7 @@
           <a:p>
             <a:r>
               <a:rPr lang="en-US" dirty="0"/>
-              <a:t>Group 8</a:t>
+              <a:t>?References</a:t>
             </a:r>
           </a:p>
         </p:txBody>
@@ -10164,40 +10246,31 @@
           <a:lstStyle/>
           <a:p>
             <a:r>
-              <a:rPr lang="en-US" sz="2200"/>
-              <a:t>Siamak Adeli Koodehi</a:t>
+              <a:rPr lang="en-US" sz="2200" dirty="0"/>
+              <a:t>Maybe we should have this… maybe not.</a:t>
             </a:r>
           </a:p>
           <a:p>
             <a:r>
-              <a:rPr lang="en-US" sz="2200"/>
-              <a:t>Cristhyan Cardona Garcia</a:t>
+              <a:rPr lang="en-US" sz="2200" dirty="0"/>
+              <a:t>Would be along lines of what’s requested in project specification document: “An appendix listing the names and sources of the data sets as well as code libraries, or tools you used in your project”</a:t>
             </a:r>
           </a:p>
           <a:p>
             <a:r>
-              <a:rPr lang="en-US" sz="2200"/>
-              <a:t>Matthew Colwell</a:t>
+              <a:rPr lang="en-US" sz="2200" dirty="0"/>
+              <a:t>Could be too much to fit on a slide.</a:t>
             </a:r>
           </a:p>
           <a:p>
-            <a:r>
-              <a:rPr lang="en-US" sz="2200"/>
-              <a:t>Christopher Symons</a:t>
-            </a:r>
-          </a:p>
-          <a:p>
-            <a:r>
-              <a:rPr lang="en-US" sz="2200"/>
-              <a:t>Hai Hung Vu</a:t>
-            </a:r>
+            <a:endParaRPr lang="en-US" sz="2200" dirty="0"/>
           </a:p>
         </p:txBody>
       </p:sp>
     </p:spTree>
     <p:extLst>
       <p:ext uri="{BB962C8B-B14F-4D97-AF65-F5344CB8AC3E}">
-        <p14:creationId xmlns:p14="http://schemas.microsoft.com/office/powerpoint/2010/main" val="2974082033"/>
+        <p14:creationId xmlns:p14="http://schemas.microsoft.com/office/powerpoint/2010/main" val="1654414743"/>
       </p:ext>
     </p:extLst>
   </p:cSld>
@@ -10207,7 +10280,7 @@
 </p:sld>
 </file>
 
-<file path=ppt/slides/slide3.xml><?xml version="1.0" encoding="utf-8"?>
+<file path=ppt/slides/slide2.xml><?xml version="1.0" encoding="utf-8"?>
 <p:sld xmlns:a="http://schemas.openxmlformats.org/drawingml/2006/main" xmlns:r="http://schemas.openxmlformats.org/officeDocument/2006/relationships" xmlns:p="http://schemas.openxmlformats.org/presentationml/2006/main">
   <p:cSld>
     <p:bg>
@@ -10660,7 +10733,7 @@
           <a:p>
             <a:r>
               <a:rPr lang="en-US" dirty="0"/>
-              <a:t>The Problem (Solving with Data)</a:t>
+              <a:t>Group 8</a:t>
             </a:r>
           </a:p>
         </p:txBody>
@@ -10786,20 +10859,32 @@
           <a:lstStyle/>
           <a:p>
             <a:r>
-              <a:rPr lang="en-US" sz="2200" dirty="0"/>
-              <a:t>1</a:t>
+              <a:rPr lang="en-US" sz="2200"/>
+              <a:t>Siamak Adeli Koodehi</a:t>
             </a:r>
           </a:p>
           <a:p>
             <a:r>
-              <a:rPr lang="en-US" sz="2200" dirty="0"/>
-              <a:t>2</a:t>
+              <a:rPr lang="en-US" sz="2200"/>
+              <a:t>Cristhyan Cardona Garcia</a:t>
             </a:r>
           </a:p>
           <a:p>
             <a:r>
-              <a:rPr lang="en-US" sz="2200" dirty="0"/>
-              <a:t>3</a:t>
+              <a:rPr lang="en-US" sz="2200"/>
+              <a:t>Matthew Colwell</a:t>
+            </a:r>
+          </a:p>
+          <a:p>
+            <a:r>
+              <a:rPr lang="en-US" sz="2200"/>
+              <a:t>Christopher Symons</a:t>
+            </a:r>
+          </a:p>
+          <a:p>
+            <a:r>
+              <a:rPr lang="en-US" sz="2200"/>
+              <a:t>Hai Hung Vu</a:t>
             </a:r>
           </a:p>
         </p:txBody>
@@ -10807,7 +10892,7 @@
     </p:spTree>
     <p:extLst>
       <p:ext uri="{BB962C8B-B14F-4D97-AF65-F5344CB8AC3E}">
-        <p14:creationId xmlns:p14="http://schemas.microsoft.com/office/powerpoint/2010/main" val="4200848663"/>
+        <p14:creationId xmlns:p14="http://schemas.microsoft.com/office/powerpoint/2010/main" val="2974082033"/>
       </p:ext>
     </p:extLst>
   </p:cSld>
@@ -10817,7 +10902,7 @@
 </p:sld>
 </file>
 
-<file path=ppt/slides/slide4.xml><?xml version="1.0" encoding="utf-8"?>
+<file path=ppt/slides/slide3.xml><?xml version="1.0" encoding="utf-8"?>
 <p:sld xmlns:a="http://schemas.openxmlformats.org/drawingml/2006/main" xmlns:r="http://schemas.openxmlformats.org/officeDocument/2006/relationships" xmlns:p="http://schemas.openxmlformats.org/presentationml/2006/main">
   <p:cSld>
     <p:bg>
@@ -11270,7 +11355,7 @@
           <a:p>
             <a:r>
               <a:rPr lang="en-US" dirty="0"/>
-              <a:t>[ initial live demo of web tool here ]</a:t>
+              <a:t>The Problem (Solving with Data)</a:t>
             </a:r>
           </a:p>
         </p:txBody>
@@ -11417,7 +11502,7 @@
     </p:spTree>
     <p:extLst>
       <p:ext uri="{BB962C8B-B14F-4D97-AF65-F5344CB8AC3E}">
-        <p14:creationId xmlns:p14="http://schemas.microsoft.com/office/powerpoint/2010/main" val="11027945"/>
+        <p14:creationId xmlns:p14="http://schemas.microsoft.com/office/powerpoint/2010/main" val="4200848663"/>
       </p:ext>
     </p:extLst>
   </p:cSld>
@@ -11427,7 +11512,7 @@
 </p:sld>
 </file>
 
-<file path=ppt/slides/slide5.xml><?xml version="1.0" encoding="utf-8"?>
+<file path=ppt/slides/slide4.xml><?xml version="1.0" encoding="utf-8"?>
 <p:sld xmlns:a="http://schemas.openxmlformats.org/drawingml/2006/main" xmlns:r="http://schemas.openxmlformats.org/officeDocument/2006/relationships" xmlns:p="http://schemas.openxmlformats.org/presentationml/2006/main">
   <p:cSld>
     <p:bg>
@@ -11880,7 +11965,7 @@
           <a:p>
             <a:r>
               <a:rPr lang="en-US" dirty="0"/>
-              <a:t>Getting the Data (I need)</a:t>
+              <a:t>[ initial live demo of web tool here ]</a:t>
             </a:r>
           </a:p>
         </p:txBody>
@@ -11995,7 +12080,7 @@
         </p:nvSpPr>
         <p:spPr>
           <a:xfrm>
-            <a:off x="261730" y="1901888"/>
+            <a:off x="838200" y="2478024"/>
             <a:ext cx="10515600" cy="3694176"/>
           </a:xfrm>
         </p:spPr>
@@ -12005,99 +12090,29 @@
           </a:bodyPr>
           <a:lstStyle/>
           <a:p>
-            <a:pPr algn="l">
-              <a:buFont typeface="Arial" panose="020B0604020202020204" pitchFamily="34" charset="0"/>
-              <a:buChar char="•"/>
-            </a:pPr>
             <a:r>
-              <a:rPr lang="en-US" sz="2000" b="0" i="0" dirty="0">
-                <a:solidFill>
-                  <a:srgbClr val="24292E"/>
-                </a:solidFill>
-                <a:effectLst/>
-                <a:latin typeface="-apple-system"/>
-              </a:rPr>
-              <a:t>Electoral boundaries (shapefile Map)</a:t>
+              <a:rPr lang="en-US" sz="2200" dirty="0"/>
+              <a:t>1</a:t>
             </a:r>
           </a:p>
           <a:p>
-            <a:pPr marL="0" indent="0" algn="l">
-              <a:buNone/>
-            </a:pPr>
-            <a:endParaRPr lang="en-US" sz="1600" b="0" i="0" dirty="0">
-              <a:solidFill>
-                <a:srgbClr val="24292E"/>
-              </a:solidFill>
-              <a:effectLst/>
-              <a:latin typeface="-apple-system"/>
-            </a:endParaRPr>
-          </a:p>
-        </p:txBody>
-      </p:sp>
-      <p:pic>
-        <p:nvPicPr>
-          <p:cNvPr id="5" name="Picture 4">
-            <a:extLst>
-              <a:ext uri="{FF2B5EF4-FFF2-40B4-BE49-F238E27FC236}">
-                <a16:creationId xmlns:a16="http://schemas.microsoft.com/office/drawing/2014/main" id="{2B02F94F-C931-4C4A-A7AA-92E374C5E427}"/>
-              </a:ext>
-            </a:extLst>
-          </p:cNvPr>
-          <p:cNvPicPr>
-            <a:picLocks noChangeAspect="1"/>
-          </p:cNvPicPr>
-          <p:nvPr/>
-        </p:nvPicPr>
-        <p:blipFill>
-          <a:blip r:embed="rId3"/>
-          <a:stretch>
-            <a:fillRect/>
-          </a:stretch>
-        </p:blipFill>
-        <p:spPr>
-          <a:xfrm>
-            <a:off x="431603" y="2385750"/>
-            <a:ext cx="7844837" cy="3694176"/>
-          </a:xfrm>
-          <a:prstGeom prst="rect">
-            <a:avLst/>
-          </a:prstGeom>
-        </p:spPr>
-      </p:pic>
-      <p:pic>
-        <p:nvPicPr>
-          <p:cNvPr id="7" name="Picture 6">
-            <a:extLst>
-              <a:ext uri="{FF2B5EF4-FFF2-40B4-BE49-F238E27FC236}">
-                <a16:creationId xmlns:a16="http://schemas.microsoft.com/office/drawing/2014/main" id="{6585A9FF-375B-4B63-B3D2-BF616752AF65}"/>
-              </a:ext>
-            </a:extLst>
-          </p:cNvPr>
-          <p:cNvPicPr>
-            <a:picLocks noChangeAspect="1"/>
-          </p:cNvPicPr>
-          <p:nvPr/>
-        </p:nvPicPr>
-        <p:blipFill>
-          <a:blip r:embed="rId4"/>
-          <a:stretch>
-            <a:fillRect/>
-          </a:stretch>
-        </p:blipFill>
-        <p:spPr>
-          <a:xfrm>
-            <a:off x="8506237" y="2385750"/>
-            <a:ext cx="2702695" cy="3779192"/>
-          </a:xfrm>
-          <a:prstGeom prst="rect">
-            <a:avLst/>
-          </a:prstGeom>
-        </p:spPr>
-      </p:pic>
+            <a:r>
+              <a:rPr lang="en-US" sz="2200" dirty="0"/>
+              <a:t>2</a:t>
+            </a:r>
+          </a:p>
+          <a:p>
+            <a:r>
+              <a:rPr lang="en-US" sz="2200" dirty="0"/>
+              <a:t>3</a:t>
+            </a:r>
+          </a:p>
+        </p:txBody>
+      </p:sp>
     </p:spTree>
     <p:extLst>
       <p:ext uri="{BB962C8B-B14F-4D97-AF65-F5344CB8AC3E}">
-        <p14:creationId xmlns:p14="http://schemas.microsoft.com/office/powerpoint/2010/main" val="124067418"/>
+        <p14:creationId xmlns:p14="http://schemas.microsoft.com/office/powerpoint/2010/main" val="11027945"/>
       </p:ext>
     </p:extLst>
   </p:cSld>
@@ -12107,295 +12122,7 @@
 </p:sld>
 </file>
 
-<file path=ppt/slides/slide6.xml><?xml version="1.0" encoding="utf-8"?>
-<p:sld xmlns:a="http://schemas.openxmlformats.org/drawingml/2006/main" xmlns:r="http://schemas.openxmlformats.org/officeDocument/2006/relationships" xmlns:p="http://schemas.openxmlformats.org/presentationml/2006/main">
-  <p:cSld>
-    <p:spTree>
-      <p:nvGrpSpPr>
-        <p:cNvPr id="1" name=""/>
-        <p:cNvGrpSpPr/>
-        <p:nvPr/>
-      </p:nvGrpSpPr>
-      <p:grpSpPr>
-        <a:xfrm>
-          <a:off x="0" y="0"/>
-          <a:ext cx="0" cy="0"/>
-          <a:chOff x="0" y="0"/>
-          <a:chExt cx="0" cy="0"/>
-        </a:xfrm>
-      </p:grpSpPr>
-      <p:sp>
-        <p:nvSpPr>
-          <p:cNvPr id="3" name="Content Placeholder 2">
-            <a:extLst>
-              <a:ext uri="{FF2B5EF4-FFF2-40B4-BE49-F238E27FC236}">
-                <a16:creationId xmlns:a16="http://schemas.microsoft.com/office/drawing/2014/main" id="{BEB3159F-61CC-479C-8BE2-CD5CF8FECD25}"/>
-              </a:ext>
-            </a:extLst>
-          </p:cNvPr>
-          <p:cNvSpPr>
-            <a:spLocks noGrp="1"/>
-          </p:cNvSpPr>
-          <p:nvPr>
-            <p:ph idx="1"/>
-          </p:nvPr>
-        </p:nvSpPr>
-        <p:spPr>
-          <a:xfrm>
-            <a:off x="576245" y="2090398"/>
-            <a:ext cx="10168128" cy="3694176"/>
-          </a:xfrm>
-        </p:spPr>
-        <p:txBody>
-          <a:bodyPr/>
-          <a:lstStyle/>
-          <a:p>
-            <a:r>
-              <a:rPr lang="en-AU" sz="2000" dirty="0"/>
-              <a:t>Infrastructure projects (CSV)</a:t>
-            </a:r>
-          </a:p>
-          <a:p>
-            <a:endParaRPr lang="en-AU" dirty="0"/>
-          </a:p>
-        </p:txBody>
-      </p:sp>
-      <p:sp>
-        <p:nvSpPr>
-          <p:cNvPr id="4" name="Title 1">
-            <a:extLst>
-              <a:ext uri="{FF2B5EF4-FFF2-40B4-BE49-F238E27FC236}">
-                <a16:creationId xmlns:a16="http://schemas.microsoft.com/office/drawing/2014/main" id="{1E196FB4-70C9-426F-9EE6-AC7E89A1ED0F}"/>
-              </a:ext>
-            </a:extLst>
-          </p:cNvPr>
-          <p:cNvSpPr>
-            <a:spLocks noGrp="1"/>
-          </p:cNvSpPr>
-          <p:nvPr>
-            <p:ph type="title"/>
-          </p:nvPr>
-        </p:nvSpPr>
-        <p:spPr>
-          <a:xfrm>
-            <a:off x="1116013" y="549275"/>
-            <a:ext cx="10167937" cy="1179513"/>
-          </a:xfrm>
-        </p:spPr>
-        <p:txBody>
-          <a:bodyPr>
-            <a:normAutofit/>
-          </a:bodyPr>
-          <a:lstStyle/>
-          <a:p>
-            <a:r>
-              <a:rPr lang="en-US" dirty="0"/>
-              <a:t>Getting the Data (I need)</a:t>
-            </a:r>
-          </a:p>
-        </p:txBody>
-      </p:sp>
-      <p:pic>
-        <p:nvPicPr>
-          <p:cNvPr id="8" name="Picture 7">
-            <a:extLst>
-              <a:ext uri="{FF2B5EF4-FFF2-40B4-BE49-F238E27FC236}">
-                <a16:creationId xmlns:a16="http://schemas.microsoft.com/office/drawing/2014/main" id="{E13A2BE8-0BDB-44ED-AB57-F1CF0F195F55}"/>
-              </a:ext>
-            </a:extLst>
-          </p:cNvPr>
-          <p:cNvPicPr>
-            <a:picLocks noChangeAspect="1"/>
-          </p:cNvPicPr>
-          <p:nvPr/>
-        </p:nvPicPr>
-        <p:blipFill>
-          <a:blip r:embed="rId3"/>
-          <a:stretch>
-            <a:fillRect/>
-          </a:stretch>
-        </p:blipFill>
-        <p:spPr>
-          <a:xfrm>
-            <a:off x="672375" y="2541071"/>
-            <a:ext cx="5668790" cy="4181739"/>
-          </a:xfrm>
-          <a:prstGeom prst="rect">
-            <a:avLst/>
-          </a:prstGeom>
-        </p:spPr>
-      </p:pic>
-      <p:pic>
-        <p:nvPicPr>
-          <p:cNvPr id="12" name="Picture 11">
-            <a:extLst>
-              <a:ext uri="{FF2B5EF4-FFF2-40B4-BE49-F238E27FC236}">
-                <a16:creationId xmlns:a16="http://schemas.microsoft.com/office/drawing/2014/main" id="{C566CC47-CB74-4135-9DA9-67DFBAC898BD}"/>
-              </a:ext>
-            </a:extLst>
-          </p:cNvPr>
-          <p:cNvPicPr>
-            <a:picLocks noChangeAspect="1"/>
-          </p:cNvPicPr>
-          <p:nvPr/>
-        </p:nvPicPr>
-        <p:blipFill>
-          <a:blip r:embed="rId4"/>
-          <a:stretch>
-            <a:fillRect/>
-          </a:stretch>
-        </p:blipFill>
-        <p:spPr>
-          <a:xfrm>
-            <a:off x="6341165" y="2541071"/>
-            <a:ext cx="5623407" cy="2588142"/>
-          </a:xfrm>
-          <a:prstGeom prst="rect">
-            <a:avLst/>
-          </a:prstGeom>
-        </p:spPr>
-      </p:pic>
-    </p:spTree>
-    <p:extLst>
-      <p:ext uri="{BB962C8B-B14F-4D97-AF65-F5344CB8AC3E}">
-        <p14:creationId xmlns:p14="http://schemas.microsoft.com/office/powerpoint/2010/main" val="393711423"/>
-      </p:ext>
-    </p:extLst>
-  </p:cSld>
-  <p:clrMapOvr>
-    <a:masterClrMapping/>
-  </p:clrMapOvr>
-</p:sld>
-</file>
-
-<file path=ppt/slides/slide7.xml><?xml version="1.0" encoding="utf-8"?>
-<p:sld xmlns:a="http://schemas.openxmlformats.org/drawingml/2006/main" xmlns:r="http://schemas.openxmlformats.org/officeDocument/2006/relationships" xmlns:p="http://schemas.openxmlformats.org/presentationml/2006/main">
-  <p:cSld>
-    <p:spTree>
-      <p:nvGrpSpPr>
-        <p:cNvPr id="1" name=""/>
-        <p:cNvGrpSpPr/>
-        <p:nvPr/>
-      </p:nvGrpSpPr>
-      <p:grpSpPr>
-        <a:xfrm>
-          <a:off x="0" y="0"/>
-          <a:ext cx="0" cy="0"/>
-          <a:chOff x="0" y="0"/>
-          <a:chExt cx="0" cy="0"/>
-        </a:xfrm>
-      </p:grpSpPr>
-      <p:sp>
-        <p:nvSpPr>
-          <p:cNvPr id="2" name="Title 1">
-            <a:extLst>
-              <a:ext uri="{FF2B5EF4-FFF2-40B4-BE49-F238E27FC236}">
-                <a16:creationId xmlns:a16="http://schemas.microsoft.com/office/drawing/2014/main" id="{F13A5ECF-0DE8-45FD-A12E-FDB779731F5B}"/>
-              </a:ext>
-            </a:extLst>
-          </p:cNvPr>
-          <p:cNvSpPr>
-            <a:spLocks noGrp="1"/>
-          </p:cNvSpPr>
-          <p:nvPr>
-            <p:ph type="title"/>
-          </p:nvPr>
-        </p:nvSpPr>
-        <p:spPr/>
-        <p:txBody>
-          <a:bodyPr/>
-          <a:lstStyle/>
-          <a:p>
-            <a:r>
-              <a:rPr lang="en-US" dirty="0"/>
-              <a:t>Getting the Data (I need)</a:t>
-            </a:r>
-            <a:endParaRPr lang="en-AU" dirty="0"/>
-          </a:p>
-        </p:txBody>
-      </p:sp>
-      <p:sp>
-        <p:nvSpPr>
-          <p:cNvPr id="3" name="Content Placeholder 2">
-            <a:extLst>
-              <a:ext uri="{FF2B5EF4-FFF2-40B4-BE49-F238E27FC236}">
-                <a16:creationId xmlns:a16="http://schemas.microsoft.com/office/drawing/2014/main" id="{78648846-B5FE-4E27-A79F-5A594B800F6C}"/>
-              </a:ext>
-            </a:extLst>
-          </p:cNvPr>
-          <p:cNvSpPr>
-            <a:spLocks noGrp="1"/>
-          </p:cNvSpPr>
-          <p:nvPr>
-            <p:ph idx="1"/>
-          </p:nvPr>
-        </p:nvSpPr>
-        <p:spPr>
-          <a:xfrm>
-            <a:off x="1115568" y="2040702"/>
-            <a:ext cx="10168128" cy="3694176"/>
-          </a:xfrm>
-        </p:spPr>
-        <p:txBody>
-          <a:bodyPr>
-            <a:normAutofit/>
-          </a:bodyPr>
-          <a:lstStyle/>
-          <a:p>
-            <a:r>
-              <a:rPr lang="en-AU" sz="2000" dirty="0"/>
-              <a:t>Database</a:t>
-            </a:r>
-          </a:p>
-          <a:p>
-            <a:endParaRPr lang="en-AU" sz="2000" dirty="0"/>
-          </a:p>
-        </p:txBody>
-      </p:sp>
-      <p:pic>
-        <p:nvPicPr>
-          <p:cNvPr id="7" name="Picture 6">
-            <a:extLst>
-              <a:ext uri="{FF2B5EF4-FFF2-40B4-BE49-F238E27FC236}">
-                <a16:creationId xmlns:a16="http://schemas.microsoft.com/office/drawing/2014/main" id="{6B7CC5C1-832D-442D-A15A-F97D8743DA3D}"/>
-              </a:ext>
-            </a:extLst>
-          </p:cNvPr>
-          <p:cNvPicPr>
-            <a:picLocks noChangeAspect="1"/>
-          </p:cNvPicPr>
-          <p:nvPr/>
-        </p:nvPicPr>
-        <p:blipFill>
-          <a:blip r:embed="rId2"/>
-          <a:stretch>
-            <a:fillRect/>
-          </a:stretch>
-        </p:blipFill>
-        <p:spPr>
-          <a:xfrm>
-            <a:off x="1262270" y="2357767"/>
-            <a:ext cx="9143378" cy="4500233"/>
-          </a:xfrm>
-          <a:prstGeom prst="rect">
-            <a:avLst/>
-          </a:prstGeom>
-        </p:spPr>
-      </p:pic>
-    </p:spTree>
-    <p:extLst>
-      <p:ext uri="{BB962C8B-B14F-4D97-AF65-F5344CB8AC3E}">
-        <p14:creationId xmlns:p14="http://schemas.microsoft.com/office/powerpoint/2010/main" val="1406752978"/>
-      </p:ext>
-    </p:extLst>
-  </p:cSld>
-  <p:clrMapOvr>
-    <a:masterClrMapping/>
-  </p:clrMapOvr>
-</p:sld>
-</file>
-
-<file path=ppt/slides/slide8.xml><?xml version="1.0" encoding="utf-8"?>
+<file path=ppt/slides/slide5.xml><?xml version="1.0" encoding="utf-8"?>
 <p:sld xmlns:a="http://schemas.openxmlformats.org/drawingml/2006/main" xmlns:r="http://schemas.openxmlformats.org/officeDocument/2006/relationships" xmlns:p="http://schemas.openxmlformats.org/presentationml/2006/main">
   <p:cSld>
     <p:bg>
@@ -12848,7 +12575,7 @@
           <a:p>
             <a:r>
               <a:rPr lang="en-US" dirty="0"/>
-              <a:t>Is my data fit for use?</a:t>
+              <a:t>Getting the Data (I need)</a:t>
             </a:r>
           </a:p>
         </p:txBody>
@@ -12963,7 +12690,7 @@
         </p:nvSpPr>
         <p:spPr>
           <a:xfrm>
-            <a:off x="838200" y="2478024"/>
+            <a:off x="261730" y="1901888"/>
             <a:ext cx="10515600" cy="3694176"/>
           </a:xfrm>
         </p:spPr>
@@ -12973,29 +12700,541 @@
           </a:bodyPr>
           <a:lstStyle/>
           <a:p>
+            <a:pPr algn="l">
+              <a:buFont typeface="Arial" panose="020B0604020202020204" pitchFamily="34" charset="0"/>
+              <a:buChar char="•"/>
+            </a:pPr>
             <a:r>
-              <a:rPr lang="en-US" sz="2200" dirty="0"/>
-              <a:t>1</a:t>
+              <a:rPr lang="en-US" sz="2000" b="0" i="0" dirty="0">
+                <a:solidFill>
+                  <a:srgbClr val="24292E"/>
+                </a:solidFill>
+                <a:effectLst/>
+                <a:latin typeface="-apple-system"/>
+              </a:rPr>
+              <a:t>Electoral boundaries (shapefile Map)</a:t>
             </a:r>
           </a:p>
           <a:p>
-            <a:r>
-              <a:rPr lang="en-US" sz="2200" dirty="0"/>
-              <a:t>2</a:t>
-            </a:r>
-          </a:p>
-          <a:p>
-            <a:r>
-              <a:rPr lang="en-US" sz="2200" dirty="0"/>
-              <a:t>3</a:t>
-            </a:r>
-          </a:p>
-        </p:txBody>
-      </p:sp>
+            <a:pPr marL="0" indent="0" algn="l">
+              <a:buNone/>
+            </a:pPr>
+            <a:endParaRPr lang="en-US" sz="1600" b="0" i="0" dirty="0">
+              <a:solidFill>
+                <a:srgbClr val="24292E"/>
+              </a:solidFill>
+              <a:effectLst/>
+              <a:latin typeface="-apple-system"/>
+            </a:endParaRPr>
+          </a:p>
+        </p:txBody>
+      </p:sp>
+      <p:pic>
+        <p:nvPicPr>
+          <p:cNvPr id="5" name="Picture 4">
+            <a:extLst>
+              <a:ext uri="{FF2B5EF4-FFF2-40B4-BE49-F238E27FC236}">
+                <a16:creationId xmlns:a16="http://schemas.microsoft.com/office/drawing/2014/main" id="{2B02F94F-C931-4C4A-A7AA-92E374C5E427}"/>
+              </a:ext>
+            </a:extLst>
+          </p:cNvPr>
+          <p:cNvPicPr>
+            <a:picLocks noChangeAspect="1"/>
+          </p:cNvPicPr>
+          <p:nvPr/>
+        </p:nvPicPr>
+        <p:blipFill>
+          <a:blip r:embed="rId3"/>
+          <a:stretch>
+            <a:fillRect/>
+          </a:stretch>
+        </p:blipFill>
+        <p:spPr>
+          <a:xfrm>
+            <a:off x="431603" y="2385750"/>
+            <a:ext cx="7844837" cy="3694176"/>
+          </a:xfrm>
+          <a:prstGeom prst="rect">
+            <a:avLst/>
+          </a:prstGeom>
+        </p:spPr>
+      </p:pic>
+      <p:pic>
+        <p:nvPicPr>
+          <p:cNvPr id="7" name="Picture 6">
+            <a:extLst>
+              <a:ext uri="{FF2B5EF4-FFF2-40B4-BE49-F238E27FC236}">
+                <a16:creationId xmlns:a16="http://schemas.microsoft.com/office/drawing/2014/main" id="{6585A9FF-375B-4B63-B3D2-BF616752AF65}"/>
+              </a:ext>
+            </a:extLst>
+          </p:cNvPr>
+          <p:cNvPicPr>
+            <a:picLocks noChangeAspect="1"/>
+          </p:cNvPicPr>
+          <p:nvPr/>
+        </p:nvPicPr>
+        <p:blipFill>
+          <a:blip r:embed="rId4"/>
+          <a:stretch>
+            <a:fillRect/>
+          </a:stretch>
+        </p:blipFill>
+        <p:spPr>
+          <a:xfrm>
+            <a:off x="8506237" y="2385750"/>
+            <a:ext cx="2702695" cy="3779192"/>
+          </a:xfrm>
+          <a:prstGeom prst="rect">
+            <a:avLst/>
+          </a:prstGeom>
+        </p:spPr>
+      </p:pic>
     </p:spTree>
     <p:extLst>
       <p:ext uri="{BB962C8B-B14F-4D97-AF65-F5344CB8AC3E}">
-        <p14:creationId xmlns:p14="http://schemas.microsoft.com/office/powerpoint/2010/main" val="1718744964"/>
+        <p14:creationId xmlns:p14="http://schemas.microsoft.com/office/powerpoint/2010/main" val="124067418"/>
+      </p:ext>
+    </p:extLst>
+  </p:cSld>
+  <p:clrMapOvr>
+    <a:masterClrMapping/>
+  </p:clrMapOvr>
+</p:sld>
+</file>
+
+<file path=ppt/slides/slide6.xml><?xml version="1.0" encoding="utf-8"?>
+<p:sld xmlns:a="http://schemas.openxmlformats.org/drawingml/2006/main" xmlns:r="http://schemas.openxmlformats.org/officeDocument/2006/relationships" xmlns:p="http://schemas.openxmlformats.org/presentationml/2006/main">
+  <p:cSld>
+    <p:spTree>
+      <p:nvGrpSpPr>
+        <p:cNvPr id="1" name=""/>
+        <p:cNvGrpSpPr/>
+        <p:nvPr/>
+      </p:nvGrpSpPr>
+      <p:grpSpPr>
+        <a:xfrm>
+          <a:off x="0" y="0"/>
+          <a:ext cx="0" cy="0"/>
+          <a:chOff x="0" y="0"/>
+          <a:chExt cx="0" cy="0"/>
+        </a:xfrm>
+      </p:grpSpPr>
+      <p:sp>
+        <p:nvSpPr>
+          <p:cNvPr id="3" name="Content Placeholder 2">
+            <a:extLst>
+              <a:ext uri="{FF2B5EF4-FFF2-40B4-BE49-F238E27FC236}">
+                <a16:creationId xmlns:a16="http://schemas.microsoft.com/office/drawing/2014/main" id="{BEB3159F-61CC-479C-8BE2-CD5CF8FECD25}"/>
+              </a:ext>
+            </a:extLst>
+          </p:cNvPr>
+          <p:cNvSpPr>
+            <a:spLocks noGrp="1"/>
+          </p:cNvSpPr>
+          <p:nvPr>
+            <p:ph idx="1"/>
+          </p:nvPr>
+        </p:nvSpPr>
+        <p:spPr>
+          <a:xfrm>
+            <a:off x="576245" y="2090398"/>
+            <a:ext cx="10168128" cy="3694176"/>
+          </a:xfrm>
+        </p:spPr>
+        <p:txBody>
+          <a:bodyPr/>
+          <a:lstStyle/>
+          <a:p>
+            <a:r>
+              <a:rPr lang="en-AU" sz="2000" dirty="0"/>
+              <a:t>Infrastructure projects (CSV)</a:t>
+            </a:r>
+          </a:p>
+          <a:p>
+            <a:endParaRPr lang="en-AU" dirty="0"/>
+          </a:p>
+        </p:txBody>
+      </p:sp>
+      <p:sp>
+        <p:nvSpPr>
+          <p:cNvPr id="4" name="Title 1">
+            <a:extLst>
+              <a:ext uri="{FF2B5EF4-FFF2-40B4-BE49-F238E27FC236}">
+                <a16:creationId xmlns:a16="http://schemas.microsoft.com/office/drawing/2014/main" id="{1E196FB4-70C9-426F-9EE6-AC7E89A1ED0F}"/>
+              </a:ext>
+            </a:extLst>
+          </p:cNvPr>
+          <p:cNvSpPr>
+            <a:spLocks noGrp="1"/>
+          </p:cNvSpPr>
+          <p:nvPr>
+            <p:ph type="title"/>
+          </p:nvPr>
+        </p:nvSpPr>
+        <p:spPr>
+          <a:xfrm>
+            <a:off x="1116013" y="549275"/>
+            <a:ext cx="10167937" cy="1179513"/>
+          </a:xfrm>
+        </p:spPr>
+        <p:txBody>
+          <a:bodyPr>
+            <a:normAutofit/>
+          </a:bodyPr>
+          <a:lstStyle/>
+          <a:p>
+            <a:r>
+              <a:rPr lang="en-US" dirty="0"/>
+              <a:t>Getting the Data (I need)</a:t>
+            </a:r>
+          </a:p>
+        </p:txBody>
+      </p:sp>
+      <p:pic>
+        <p:nvPicPr>
+          <p:cNvPr id="8" name="Picture 7">
+            <a:extLst>
+              <a:ext uri="{FF2B5EF4-FFF2-40B4-BE49-F238E27FC236}">
+                <a16:creationId xmlns:a16="http://schemas.microsoft.com/office/drawing/2014/main" id="{E13A2BE8-0BDB-44ED-AB57-F1CF0F195F55}"/>
+              </a:ext>
+            </a:extLst>
+          </p:cNvPr>
+          <p:cNvPicPr>
+            <a:picLocks noChangeAspect="1"/>
+          </p:cNvPicPr>
+          <p:nvPr/>
+        </p:nvPicPr>
+        <p:blipFill>
+          <a:blip r:embed="rId3"/>
+          <a:stretch>
+            <a:fillRect/>
+          </a:stretch>
+        </p:blipFill>
+        <p:spPr>
+          <a:xfrm>
+            <a:off x="672375" y="2541071"/>
+            <a:ext cx="5668790" cy="4181739"/>
+          </a:xfrm>
+          <a:prstGeom prst="rect">
+            <a:avLst/>
+          </a:prstGeom>
+        </p:spPr>
+      </p:pic>
+      <p:pic>
+        <p:nvPicPr>
+          <p:cNvPr id="12" name="Picture 11">
+            <a:extLst>
+              <a:ext uri="{FF2B5EF4-FFF2-40B4-BE49-F238E27FC236}">
+                <a16:creationId xmlns:a16="http://schemas.microsoft.com/office/drawing/2014/main" id="{C566CC47-CB74-4135-9DA9-67DFBAC898BD}"/>
+              </a:ext>
+            </a:extLst>
+          </p:cNvPr>
+          <p:cNvPicPr>
+            <a:picLocks noChangeAspect="1"/>
+          </p:cNvPicPr>
+          <p:nvPr/>
+        </p:nvPicPr>
+        <p:blipFill>
+          <a:blip r:embed="rId4"/>
+          <a:stretch>
+            <a:fillRect/>
+          </a:stretch>
+        </p:blipFill>
+        <p:spPr>
+          <a:xfrm>
+            <a:off x="6341165" y="2541071"/>
+            <a:ext cx="5623407" cy="2588142"/>
+          </a:xfrm>
+          <a:prstGeom prst="rect">
+            <a:avLst/>
+          </a:prstGeom>
+        </p:spPr>
+      </p:pic>
+    </p:spTree>
+    <p:extLst>
+      <p:ext uri="{BB962C8B-B14F-4D97-AF65-F5344CB8AC3E}">
+        <p14:creationId xmlns:p14="http://schemas.microsoft.com/office/powerpoint/2010/main" val="393711423"/>
+      </p:ext>
+    </p:extLst>
+  </p:cSld>
+  <p:clrMapOvr>
+    <a:masterClrMapping/>
+  </p:clrMapOvr>
+</p:sld>
+</file>
+
+<file path=ppt/slides/slide7.xml><?xml version="1.0" encoding="utf-8"?>
+<p:sld xmlns:a="http://schemas.openxmlformats.org/drawingml/2006/main" xmlns:r="http://schemas.openxmlformats.org/officeDocument/2006/relationships" xmlns:p="http://schemas.openxmlformats.org/presentationml/2006/main">
+  <p:cSld>
+    <p:spTree>
+      <p:nvGrpSpPr>
+        <p:cNvPr id="1" name=""/>
+        <p:cNvGrpSpPr/>
+        <p:nvPr/>
+      </p:nvGrpSpPr>
+      <p:grpSpPr>
+        <a:xfrm>
+          <a:off x="0" y="0"/>
+          <a:ext cx="0" cy="0"/>
+          <a:chOff x="0" y="0"/>
+          <a:chExt cx="0" cy="0"/>
+        </a:xfrm>
+      </p:grpSpPr>
+      <p:sp>
+        <p:nvSpPr>
+          <p:cNvPr id="2" name="Title 1">
+            <a:extLst>
+              <a:ext uri="{FF2B5EF4-FFF2-40B4-BE49-F238E27FC236}">
+                <a16:creationId xmlns:a16="http://schemas.microsoft.com/office/drawing/2014/main" id="{F13A5ECF-0DE8-45FD-A12E-FDB779731F5B}"/>
+              </a:ext>
+            </a:extLst>
+          </p:cNvPr>
+          <p:cNvSpPr>
+            <a:spLocks noGrp="1"/>
+          </p:cNvSpPr>
+          <p:nvPr>
+            <p:ph type="title"/>
+          </p:nvPr>
+        </p:nvSpPr>
+        <p:spPr/>
+        <p:txBody>
+          <a:bodyPr/>
+          <a:lstStyle/>
+          <a:p>
+            <a:r>
+              <a:rPr lang="en-US" dirty="0"/>
+              <a:t>Getting the Data (I need)</a:t>
+            </a:r>
+            <a:endParaRPr lang="en-AU" dirty="0"/>
+          </a:p>
+        </p:txBody>
+      </p:sp>
+      <p:sp>
+        <p:nvSpPr>
+          <p:cNvPr id="3" name="Content Placeholder 2">
+            <a:extLst>
+              <a:ext uri="{FF2B5EF4-FFF2-40B4-BE49-F238E27FC236}">
+                <a16:creationId xmlns:a16="http://schemas.microsoft.com/office/drawing/2014/main" id="{78648846-B5FE-4E27-A79F-5A594B800F6C}"/>
+              </a:ext>
+            </a:extLst>
+          </p:cNvPr>
+          <p:cNvSpPr>
+            <a:spLocks noGrp="1"/>
+          </p:cNvSpPr>
+          <p:nvPr>
+            <p:ph idx="1"/>
+          </p:nvPr>
+        </p:nvSpPr>
+        <p:spPr>
+          <a:xfrm>
+            <a:off x="1115568" y="2040702"/>
+            <a:ext cx="10168128" cy="3694176"/>
+          </a:xfrm>
+        </p:spPr>
+        <p:txBody>
+          <a:bodyPr>
+            <a:normAutofit/>
+          </a:bodyPr>
+          <a:lstStyle/>
+          <a:p>
+            <a:r>
+              <a:rPr lang="en-AU" sz="2000" dirty="0"/>
+              <a:t>Database</a:t>
+            </a:r>
+          </a:p>
+          <a:p>
+            <a:endParaRPr lang="en-AU" sz="2000" dirty="0"/>
+          </a:p>
+        </p:txBody>
+      </p:sp>
+      <p:pic>
+        <p:nvPicPr>
+          <p:cNvPr id="7" name="Picture 6">
+            <a:extLst>
+              <a:ext uri="{FF2B5EF4-FFF2-40B4-BE49-F238E27FC236}">
+                <a16:creationId xmlns:a16="http://schemas.microsoft.com/office/drawing/2014/main" id="{6B7CC5C1-832D-442D-A15A-F97D8743DA3D}"/>
+              </a:ext>
+            </a:extLst>
+          </p:cNvPr>
+          <p:cNvPicPr>
+            <a:picLocks noChangeAspect="1"/>
+          </p:cNvPicPr>
+          <p:nvPr/>
+        </p:nvPicPr>
+        <p:blipFill>
+          <a:blip r:embed="rId2"/>
+          <a:stretch>
+            <a:fillRect/>
+          </a:stretch>
+        </p:blipFill>
+        <p:spPr>
+          <a:xfrm>
+            <a:off x="1262270" y="2357767"/>
+            <a:ext cx="9143378" cy="4500233"/>
+          </a:xfrm>
+          <a:prstGeom prst="rect">
+            <a:avLst/>
+          </a:prstGeom>
+        </p:spPr>
+      </p:pic>
+    </p:spTree>
+    <p:extLst>
+      <p:ext uri="{BB962C8B-B14F-4D97-AF65-F5344CB8AC3E}">
+        <p14:creationId xmlns:p14="http://schemas.microsoft.com/office/powerpoint/2010/main" val="1406752978"/>
+      </p:ext>
+    </p:extLst>
+  </p:cSld>
+  <p:clrMapOvr>
+    <a:masterClrMapping/>
+  </p:clrMapOvr>
+</p:sld>
+</file>
+
+<file path=ppt/slides/slide8.xml><?xml version="1.0" encoding="utf-8"?>
+<p:sld xmlns:a="http://schemas.openxmlformats.org/drawingml/2006/main" xmlns:r="http://schemas.openxmlformats.org/officeDocument/2006/relationships" xmlns:p="http://schemas.openxmlformats.org/presentationml/2006/main">
+  <p:cSld>
+    <p:spTree>
+      <p:nvGrpSpPr>
+        <p:cNvPr id="1" name=""/>
+        <p:cNvGrpSpPr/>
+        <p:nvPr/>
+      </p:nvGrpSpPr>
+      <p:grpSpPr>
+        <a:xfrm>
+          <a:off x="0" y="0"/>
+          <a:ext cx="0" cy="0"/>
+          <a:chOff x="0" y="0"/>
+          <a:chExt cx="0" cy="0"/>
+        </a:xfrm>
+      </p:grpSpPr>
+      <p:sp>
+        <p:nvSpPr>
+          <p:cNvPr id="2" name="Title 1">
+            <a:extLst>
+              <a:ext uri="{FF2B5EF4-FFF2-40B4-BE49-F238E27FC236}">
+                <a16:creationId xmlns:a16="http://schemas.microsoft.com/office/drawing/2014/main" id="{06790A39-7E92-4669-B9A9-3D6BD40C1CB5}"/>
+              </a:ext>
+            </a:extLst>
+          </p:cNvPr>
+          <p:cNvSpPr>
+            <a:spLocks noGrp="1"/>
+          </p:cNvSpPr>
+          <p:nvPr>
+            <p:ph type="title"/>
+          </p:nvPr>
+        </p:nvSpPr>
+        <p:spPr/>
+        <p:txBody>
+          <a:bodyPr/>
+          <a:lstStyle/>
+          <a:p>
+            <a:r>
+              <a:rPr lang="en-US" dirty="0"/>
+              <a:t>Getting the Data (I need)</a:t>
+            </a:r>
+            <a:endParaRPr lang="en-AU" dirty="0"/>
+          </a:p>
+        </p:txBody>
+      </p:sp>
+      <p:sp>
+        <p:nvSpPr>
+          <p:cNvPr id="3" name="Content Placeholder 2">
+            <a:extLst>
+              <a:ext uri="{FF2B5EF4-FFF2-40B4-BE49-F238E27FC236}">
+                <a16:creationId xmlns:a16="http://schemas.microsoft.com/office/drawing/2014/main" id="{8AD36A28-0707-4C0B-B3BA-F946E2AA61A3}"/>
+              </a:ext>
+            </a:extLst>
+          </p:cNvPr>
+          <p:cNvSpPr>
+            <a:spLocks noGrp="1"/>
+          </p:cNvSpPr>
+          <p:nvPr>
+            <p:ph idx="1"/>
+          </p:nvPr>
+        </p:nvSpPr>
+        <p:spPr>
+          <a:xfrm>
+            <a:off x="1011936" y="2040702"/>
+            <a:ext cx="10168128" cy="3694176"/>
+          </a:xfrm>
+        </p:spPr>
+        <p:txBody>
+          <a:bodyPr>
+            <a:normAutofit/>
+          </a:bodyPr>
+          <a:lstStyle/>
+          <a:p>
+            <a:r>
+              <a:rPr lang="en-AU" sz="2000" dirty="0"/>
+              <a:t>Electoral Data (Web Scraping)</a:t>
+            </a:r>
+          </a:p>
+        </p:txBody>
+      </p:sp>
+      <p:pic>
+        <p:nvPicPr>
+          <p:cNvPr id="9" name="Picture 8">
+            <a:extLst>
+              <a:ext uri="{FF2B5EF4-FFF2-40B4-BE49-F238E27FC236}">
+                <a16:creationId xmlns:a16="http://schemas.microsoft.com/office/drawing/2014/main" id="{D2A3A337-D8D4-4AA9-BFCA-F5534EA6542A}"/>
+              </a:ext>
+            </a:extLst>
+          </p:cNvPr>
+          <p:cNvPicPr>
+            <a:picLocks noChangeAspect="1"/>
+          </p:cNvPicPr>
+          <p:nvPr/>
+        </p:nvPicPr>
+        <p:blipFill>
+          <a:blip r:embed="rId3"/>
+          <a:stretch>
+            <a:fillRect/>
+          </a:stretch>
+        </p:blipFill>
+        <p:spPr>
+          <a:xfrm>
+            <a:off x="86611" y="2477560"/>
+            <a:ext cx="7041253" cy="3831800"/>
+          </a:xfrm>
+          <a:prstGeom prst="rect">
+            <a:avLst/>
+          </a:prstGeom>
+        </p:spPr>
+      </p:pic>
+      <p:pic>
+        <p:nvPicPr>
+          <p:cNvPr id="13" name="Picture 12">
+            <a:extLst>
+              <a:ext uri="{FF2B5EF4-FFF2-40B4-BE49-F238E27FC236}">
+                <a16:creationId xmlns:a16="http://schemas.microsoft.com/office/drawing/2014/main" id="{87D973ED-C99E-4884-AF33-B51E56F6F394}"/>
+              </a:ext>
+            </a:extLst>
+          </p:cNvPr>
+          <p:cNvPicPr>
+            <a:picLocks noChangeAspect="1"/>
+          </p:cNvPicPr>
+          <p:nvPr/>
+        </p:nvPicPr>
+        <p:blipFill>
+          <a:blip r:embed="rId4"/>
+          <a:stretch>
+            <a:fillRect/>
+          </a:stretch>
+        </p:blipFill>
+        <p:spPr>
+          <a:xfrm>
+            <a:off x="7127864" y="2477560"/>
+            <a:ext cx="4892213" cy="4037798"/>
+          </a:xfrm>
+          <a:prstGeom prst="rect">
+            <a:avLst/>
+          </a:prstGeom>
+        </p:spPr>
+      </p:pic>
+    </p:spTree>
+    <p:extLst>
+      <p:ext uri="{BB962C8B-B14F-4D97-AF65-F5344CB8AC3E}">
+        <p14:creationId xmlns:p14="http://schemas.microsoft.com/office/powerpoint/2010/main" val="1327629975"/>
       </p:ext>
     </p:extLst>
   </p:cSld>
@@ -13458,7 +13697,7 @@
           <a:p>
             <a:r>
               <a:rPr lang="en-US" dirty="0"/>
-              <a:t>Making the data confess</a:t>
+              <a:t>Is my data fit for use?</a:t>
             </a:r>
           </a:p>
         </p:txBody>
@@ -13605,7 +13844,7 @@
     </p:spTree>
     <p:extLst>
       <p:ext uri="{BB962C8B-B14F-4D97-AF65-F5344CB8AC3E}">
-        <p14:creationId xmlns:p14="http://schemas.microsoft.com/office/powerpoint/2010/main" val="2238465027"/>
+        <p14:creationId xmlns:p14="http://schemas.microsoft.com/office/powerpoint/2010/main" val="1718744964"/>
       </p:ext>
     </p:extLst>
   </p:cSld>
